--- a/help/data-sheets/assets/BusinessSupportDatasheet.pptx
+++ b/help/data-sheets/assets/BusinessSupportDatasheet.pptx
@@ -143,12 +143,8 @@
 <file path=ppt/revisionInfo.xml><?xml version="1.0" encoding="utf-8"?>
 <p1510:revInfo xmlns:a="http://schemas.openxmlformats.org/drawingml/2006/main" xmlns:r="http://schemas.openxmlformats.org/officeDocument/2006/relationships" xmlns:p1510="http://schemas.microsoft.com/office/powerpoint/2015/10/main">
   <p1510:revLst>
-    <p1510:client id="{06B13378-B080-7F0F-51A5-F9203CEE57ED}" v="370" dt="2021-08-25T22:26:24.850"/>
-    <p1510:client id="{4D8E0410-E0CE-85E2-0F84-C1BF4F647622}" v="27" dt="2021-09-22T22:57:14.395"/>
-    <p1510:client id="{71D6CFBF-0EA2-99B0-93F4-22F19EF0AE4E}" v="2" dt="2021-09-22T19:06:58.732"/>
-    <p1510:client id="{9E385600-BF81-FC49-9ED0-E33BC37F7908}" v="55" dt="2021-08-04T08:16:13.478"/>
-    <p1510:client id="{AFB92C2B-405E-C597-0988-18F97C53104C}" v="37" dt="2021-09-22T18:53:28.028"/>
-    <p1510:client id="{CA5D33DF-AE75-BCA1-B9BC-A7CD44D2F3C7}" v="2" dt="2021-08-25T22:38:18.624"/>
+    <p1510:client id="{61630BD6-9AE9-064C-B39F-AFA945B82B3E}" v="202" dt="2021-10-13T19:21:08.267"/>
+    <p1510:client id="{AC30C20D-1316-8ECC-DADD-39CCEC6A7FCF}" v="9" dt="2021-10-13T19:03:35.035"/>
   </p1510:revLst>
 </p1510:revInfo>
 </file>
@@ -170,6 +166,77 @@
         </pc:sldMkLst>
         <pc:graphicFrameChg chg="mod modGraphic">
           <ac:chgData name="Akilah Johnson" userId="S::akjohnso@adobe.com::2fa3aa60-0c9c-4d06-bae2-795983241227" providerId="AD" clId="Web-{4D8E0410-E0CE-85E2-0F84-C1BF4F647622}" dt="2021-09-22T22:57:04.802" v="5"/>
+          <ac:graphicFrameMkLst>
+            <pc:docMk/>
+            <pc:sldMk cId="1050037809" sldId="261"/>
+            <ac:graphicFrameMk id="25" creationId="{3A91F5B0-3974-A14D-A146-FB590F2AAD18}"/>
+          </ac:graphicFrameMkLst>
+        </pc:graphicFrameChg>
+      </pc:sldChg>
+    </pc:docChg>
+  </pc:docChgLst>
+  <pc:docChgLst>
+    <pc:chgData name="Akilah Johnson" userId="S::akjohnso@adobe.com::2fa3aa60-0c9c-4d06-bae2-795983241227" providerId="AD" clId="Web-{019F6A09-DCDA-BB53-9E3C-5BA3B13E26BB}"/>
+    <pc:docChg chg="modSld">
+      <pc:chgData name="Akilah Johnson" userId="S::akjohnso@adobe.com::2fa3aa60-0c9c-4d06-bae2-795983241227" providerId="AD" clId="Web-{019F6A09-DCDA-BB53-9E3C-5BA3B13E26BB}" dt="2021-10-12T17:10:36.752" v="17" actId="20577"/>
+      <pc:docMkLst>
+        <pc:docMk/>
+      </pc:docMkLst>
+      <pc:sldChg chg="modSp">
+        <pc:chgData name="Akilah Johnson" userId="S::akjohnso@adobe.com::2fa3aa60-0c9c-4d06-bae2-795983241227" providerId="AD" clId="Web-{019F6A09-DCDA-BB53-9E3C-5BA3B13E26BB}" dt="2021-10-12T17:09:32.112" v="2" actId="20577"/>
+        <pc:sldMkLst>
+          <pc:docMk/>
+          <pc:sldMk cId="0" sldId="257"/>
+        </pc:sldMkLst>
+        <pc:spChg chg="mod">
+          <ac:chgData name="Akilah Johnson" userId="S::akjohnso@adobe.com::2fa3aa60-0c9c-4d06-bae2-795983241227" providerId="AD" clId="Web-{019F6A09-DCDA-BB53-9E3C-5BA3B13E26BB}" dt="2021-10-12T17:09:32.112" v="2" actId="20577"/>
+          <ac:spMkLst>
+            <pc:docMk/>
+            <pc:sldMk cId="0" sldId="257"/>
+            <ac:spMk id="46" creationId="{00000000-0000-0000-0000-000000000000}"/>
+          </ac:spMkLst>
+        </pc:spChg>
+      </pc:sldChg>
+      <pc:sldChg chg="modSp">
+        <pc:chgData name="Akilah Johnson" userId="S::akjohnso@adobe.com::2fa3aa60-0c9c-4d06-bae2-795983241227" providerId="AD" clId="Web-{019F6A09-DCDA-BB53-9E3C-5BA3B13E26BB}" dt="2021-10-12T17:10:36.752" v="17" actId="20577"/>
+        <pc:sldMkLst>
+          <pc:docMk/>
+          <pc:sldMk cId="1050037809" sldId="261"/>
+        </pc:sldMkLst>
+        <pc:spChg chg="mod">
+          <ac:chgData name="Akilah Johnson" userId="S::akjohnso@adobe.com::2fa3aa60-0c9c-4d06-bae2-795983241227" providerId="AD" clId="Web-{019F6A09-DCDA-BB53-9E3C-5BA3B13E26BB}" dt="2021-10-12T17:10:36.752" v="17" actId="20577"/>
+          <ac:spMkLst>
+            <pc:docMk/>
+            <pc:sldMk cId="1050037809" sldId="261"/>
+            <ac:spMk id="56" creationId="{00000000-0000-0000-0000-000000000000}"/>
+          </ac:spMkLst>
+        </pc:spChg>
+        <pc:graphicFrameChg chg="mod modGraphic">
+          <ac:chgData name="Akilah Johnson" userId="S::akjohnso@adobe.com::2fa3aa60-0c9c-4d06-bae2-795983241227" providerId="AD" clId="Web-{019F6A09-DCDA-BB53-9E3C-5BA3B13E26BB}" dt="2021-10-12T17:09:41.471" v="6"/>
+          <ac:graphicFrameMkLst>
+            <pc:docMk/>
+            <pc:sldMk cId="1050037809" sldId="261"/>
+            <ac:graphicFrameMk id="111" creationId="{D8653CEC-4213-DE40-9BAF-D1E3318FF89C}"/>
+          </ac:graphicFrameMkLst>
+        </pc:graphicFrameChg>
+      </pc:sldChg>
+    </pc:docChg>
+  </pc:docChgLst>
+  <pc:docChgLst>
+    <pc:chgData name="Andy Witt" userId="S::awitt@adobe.com::e9157bdf-53b2-40e4-9459-936793d75696" providerId="AD" clId="Web-{06B13378-B080-7F0F-51A5-F9203CEE57ED}"/>
+    <pc:docChg chg="modSld">
+      <pc:chgData name="Andy Witt" userId="S::awitt@adobe.com::e9157bdf-53b2-40e4-9459-936793d75696" providerId="AD" clId="Web-{06B13378-B080-7F0F-51A5-F9203CEE57ED}" dt="2021-08-25T22:25:13.647" v="363"/>
+      <pc:docMkLst>
+        <pc:docMk/>
+      </pc:docMkLst>
+      <pc:sldChg chg="modSp">
+        <pc:chgData name="Andy Witt" userId="S::awitt@adobe.com::e9157bdf-53b2-40e4-9459-936793d75696" providerId="AD" clId="Web-{06B13378-B080-7F0F-51A5-F9203CEE57ED}" dt="2021-08-25T22:25:13.647" v="363"/>
+        <pc:sldMkLst>
+          <pc:docMk/>
+          <pc:sldMk cId="1050037809" sldId="261"/>
+        </pc:sldMkLst>
+        <pc:graphicFrameChg chg="mod modGraphic">
+          <ac:chgData name="Andy Witt" userId="S::awitt@adobe.com::e9157bdf-53b2-40e4-9459-936793d75696" providerId="AD" clId="Web-{06B13378-B080-7F0F-51A5-F9203CEE57ED}" dt="2021-08-25T22:25:13.647" v="363"/>
           <ac:graphicFrameMkLst>
             <pc:docMk/>
             <pc:sldMk cId="1050037809" sldId="261"/>
@@ -204,26 +271,58 @@
     </pc:docChg>
   </pc:docChgLst>
   <pc:docChgLst>
-    <pc:chgData name="Andy Witt" userId="S::awitt@adobe.com::e9157bdf-53b2-40e4-9459-936793d75696" providerId="AD" clId="Web-{06B13378-B080-7F0F-51A5-F9203CEE57ED}"/>
+    <pc:chgData name="Akilah Johnson" userId="S::akjohnso@adobe.com::2fa3aa60-0c9c-4d06-bae2-795983241227" providerId="AD" clId="Web-{D428A0AE-54E2-30D2-C574-7A0742876CCF}"/>
     <pc:docChg chg="modSld">
-      <pc:chgData name="Andy Witt" userId="S::awitt@adobe.com::e9157bdf-53b2-40e4-9459-936793d75696" providerId="AD" clId="Web-{06B13378-B080-7F0F-51A5-F9203CEE57ED}" dt="2021-08-25T22:25:13.647" v="363"/>
+      <pc:chgData name="Akilah Johnson" userId="S::akjohnso@adobe.com::2fa3aa60-0c9c-4d06-bae2-795983241227" providerId="AD" clId="Web-{D428A0AE-54E2-30D2-C574-7A0742876CCF}" dt="2021-10-12T19:11:25.330" v="0" actId="20577"/>
       <pc:docMkLst>
         <pc:docMk/>
       </pc:docMkLst>
       <pc:sldChg chg="modSp">
-        <pc:chgData name="Andy Witt" userId="S::awitt@adobe.com::e9157bdf-53b2-40e4-9459-936793d75696" providerId="AD" clId="Web-{06B13378-B080-7F0F-51A5-F9203CEE57ED}" dt="2021-08-25T22:25:13.647" v="363"/>
+        <pc:chgData name="Akilah Johnson" userId="S::akjohnso@adobe.com::2fa3aa60-0c9c-4d06-bae2-795983241227" providerId="AD" clId="Web-{D428A0AE-54E2-30D2-C574-7A0742876CCF}" dt="2021-10-12T19:11:25.330" v="0" actId="20577"/>
         <pc:sldMkLst>
           <pc:docMk/>
-          <pc:sldMk cId="1050037809" sldId="261"/>
+          <pc:sldMk cId="0" sldId="256"/>
         </pc:sldMkLst>
-        <pc:graphicFrameChg chg="mod modGraphic">
-          <ac:chgData name="Andy Witt" userId="S::awitt@adobe.com::e9157bdf-53b2-40e4-9459-936793d75696" providerId="AD" clId="Web-{06B13378-B080-7F0F-51A5-F9203CEE57ED}" dt="2021-08-25T22:25:13.647" v="363"/>
-          <ac:graphicFrameMkLst>
+        <pc:spChg chg="mod">
+          <ac:chgData name="Akilah Johnson" userId="S::akjohnso@adobe.com::2fa3aa60-0c9c-4d06-bae2-795983241227" providerId="AD" clId="Web-{D428A0AE-54E2-30D2-C574-7A0742876CCF}" dt="2021-10-12T19:11:25.330" v="0" actId="20577"/>
+          <ac:spMkLst>
             <pc:docMk/>
-            <pc:sldMk cId="1050037809" sldId="261"/>
-            <ac:graphicFrameMk id="25" creationId="{3A91F5B0-3974-A14D-A146-FB590F2AAD18}"/>
-          </ac:graphicFrameMkLst>
-        </pc:graphicFrameChg>
+            <pc:sldMk cId="0" sldId="256"/>
+            <ac:spMk id="4" creationId="{00000000-0000-0000-0000-000000000000}"/>
+          </ac:spMkLst>
+        </pc:spChg>
+      </pc:sldChg>
+    </pc:docChg>
+  </pc:docChgLst>
+  <pc:docChgLst>
+    <pc:chgData name="Lauren Schutte" userId="S::schutte@adobe.com::6e08b2d3-447a-4d66-86be-444d50df187f" providerId="AD" clId="Web-{AC30C20D-1316-8ECC-DADD-39CCEC6A7FCF}"/>
+    <pc:docChg chg="modSld">
+      <pc:chgData name="Lauren Schutte" userId="S::schutte@adobe.com::6e08b2d3-447a-4d66-86be-444d50df187f" providerId="AD" clId="Web-{AC30C20D-1316-8ECC-DADD-39CCEC6A7FCF}" dt="2021-10-13T19:03:35.035" v="8" actId="1076"/>
+      <pc:docMkLst>
+        <pc:docMk/>
+      </pc:docMkLst>
+      <pc:sldChg chg="modSp">
+        <pc:chgData name="Lauren Schutte" userId="S::schutte@adobe.com::6e08b2d3-447a-4d66-86be-444d50df187f" providerId="AD" clId="Web-{AC30C20D-1316-8ECC-DADD-39CCEC6A7FCF}" dt="2021-10-13T19:03:35.035" v="8" actId="1076"/>
+        <pc:sldMkLst>
+          <pc:docMk/>
+          <pc:sldMk cId="0" sldId="256"/>
+        </pc:sldMkLst>
+        <pc:spChg chg="mod">
+          <ac:chgData name="Lauren Schutte" userId="S::schutte@adobe.com::6e08b2d3-447a-4d66-86be-444d50df187f" providerId="AD" clId="Web-{AC30C20D-1316-8ECC-DADD-39CCEC6A7FCF}" dt="2021-10-13T19:03:27.878" v="7" actId="14100"/>
+          <ac:spMkLst>
+            <pc:docMk/>
+            <pc:sldMk cId="0" sldId="256"/>
+            <ac:spMk id="3" creationId="{00000000-0000-0000-0000-000000000000}"/>
+          </ac:spMkLst>
+        </pc:spChg>
+        <pc:spChg chg="mod">
+          <ac:chgData name="Lauren Schutte" userId="S::schutte@adobe.com::6e08b2d3-447a-4d66-86be-444d50df187f" providerId="AD" clId="Web-{AC30C20D-1316-8ECC-DADD-39CCEC6A7FCF}" dt="2021-10-13T19:03:35.035" v="8" actId="1076"/>
+          <ac:spMkLst>
+            <pc:docMk/>
+            <pc:sldMk cId="0" sldId="256"/>
+            <ac:spMk id="5" creationId="{00000000-0000-0000-0000-000000000000}"/>
+          </ac:spMkLst>
+        </pc:spChg>
       </pc:sldChg>
     </pc:docChg>
   </pc:docChgLst>
@@ -254,6 +353,38 @@
             <pc:docMk/>
             <pc:sldMk cId="1050037809" sldId="261"/>
             <ac:graphicFrameMk id="25" creationId="{3A91F5B0-3974-A14D-A146-FB590F2AAD18}"/>
+          </ac:graphicFrameMkLst>
+        </pc:graphicFrameChg>
+      </pc:sldChg>
+    </pc:docChg>
+  </pc:docChgLst>
+  <pc:docChgLst>
+    <pc:chgData name="Lauren Schutte" userId="6e08b2d3-447a-4d66-86be-444d50df187f" providerId="ADAL" clId="{61630BD6-9AE9-064C-B39F-AFA945B82B3E}"/>
+    <pc:docChg chg="undo custSel modSld">
+      <pc:chgData name="Lauren Schutte" userId="6e08b2d3-447a-4d66-86be-444d50df187f" providerId="ADAL" clId="{61630BD6-9AE9-064C-B39F-AFA945B82B3E}" dt="2021-10-13T19:21:08.267" v="201" actId="20577"/>
+      <pc:docMkLst>
+        <pc:docMk/>
+      </pc:docMkLst>
+      <pc:sldChg chg="modSp mod">
+        <pc:chgData name="Lauren Schutte" userId="6e08b2d3-447a-4d66-86be-444d50df187f" providerId="ADAL" clId="{61630BD6-9AE9-064C-B39F-AFA945B82B3E}" dt="2021-10-13T19:21:08.267" v="201" actId="20577"/>
+        <pc:sldMkLst>
+          <pc:docMk/>
+          <pc:sldMk cId="0" sldId="256"/>
+        </pc:sldMkLst>
+        <pc:spChg chg="mod">
+          <ac:chgData name="Lauren Schutte" userId="6e08b2d3-447a-4d66-86be-444d50df187f" providerId="ADAL" clId="{61630BD6-9AE9-064C-B39F-AFA945B82B3E}" dt="2021-10-13T19:03:44.344" v="3" actId="1076"/>
+          <ac:spMkLst>
+            <pc:docMk/>
+            <pc:sldMk cId="0" sldId="256"/>
+            <ac:spMk id="3" creationId="{00000000-0000-0000-0000-000000000000}"/>
+          </ac:spMkLst>
+        </pc:spChg>
+        <pc:graphicFrameChg chg="mod modGraphic">
+          <ac:chgData name="Lauren Schutte" userId="6e08b2d3-447a-4d66-86be-444d50df187f" providerId="ADAL" clId="{61630BD6-9AE9-064C-B39F-AFA945B82B3E}" dt="2021-10-13T19:21:08.267" v="201" actId="20577"/>
+          <ac:graphicFrameMkLst>
+            <pc:docMk/>
+            <pc:sldMk cId="0" sldId="256"/>
+            <ac:graphicFrameMk id="9" creationId="{00000000-0000-0000-0000-000000000000}"/>
           </ac:graphicFrameMkLst>
         </pc:graphicFrameChg>
       </pc:sldChg>
@@ -368,7 +499,7 @@
           <a:p>
             <a:fld id="{FB81873C-0B24-F04A-98A1-90E0A78F7E8A}" type="datetimeFigureOut">
               <a:rPr lang="en-US" smtClean="0"/>
-              <a:t>9/22/2021</a:t>
+              <a:t>10/13/2021</a:t>
             </a:fld>
             <a:endParaRPr lang="en-US"/>
           </a:p>
@@ -991,7 +1122,7 @@
           <a:p>
             <a:fld id="{1D8BD707-D9CF-40AE-B4C6-C98DA3205C09}" type="datetimeFigureOut">
               <a:rPr lang="en-US"/>
-              <a:t>9/22/2021</a:t>
+              <a:t>10/13/2021</a:t>
             </a:fld>
             <a:endParaRPr lang="en-US"/>
           </a:p>
@@ -1183,7 +1314,7 @@
           <a:p>
             <a:fld id="{1D8BD707-D9CF-40AE-B4C6-C98DA3205C09}" type="datetimeFigureOut">
               <a:rPr lang="en-US"/>
-              <a:t>9/22/2021</a:t>
+              <a:t>10/13/2021</a:t>
             </a:fld>
             <a:endParaRPr lang="en-US"/>
           </a:p>
@@ -1501,7 +1632,7 @@
           <a:p>
             <a:fld id="{1D8BD707-D9CF-40AE-B4C6-C98DA3205C09}" type="datetimeFigureOut">
               <a:rPr lang="en-US"/>
-              <a:t>9/22/2021</a:t>
+              <a:t>10/13/2021</a:t>
             </a:fld>
             <a:endParaRPr lang="en-US"/>
           </a:p>
@@ -1922,7 +2053,7 @@
           </a:prstGeom>
         </p:spPr>
         <p:txBody>
-          <a:bodyPr vert="horz" wrap="square" lIns="0" tIns="12700" rIns="0" bIns="0" rtlCol="0">
+          <a:bodyPr vert="horz" wrap="square" lIns="0" tIns="12700" rIns="0" bIns="0" rtlCol="0" anchor="t">
             <a:spAutoFit/>
           </a:bodyPr>
           <a:lstStyle/>
@@ -1937,15 +2068,15 @@
             </a:pPr>
             <a:r>
               <a:rPr sz="2300">
-                <a:latin typeface="Adobe Clean" panose="020B0503020404020204" pitchFamily="34" charset="0"/>
+                <a:latin typeface="Adobe Clean"/>
               </a:rPr>
               <a:t>ADOBE </a:t>
             </a:r>
             <a:r>
               <a:rPr lang="en-US" sz="2300">
-                <a:latin typeface="Adobe Clean" panose="020B0503020404020204" pitchFamily="34" charset="0"/>
-              </a:rPr>
-              <a:t>SUPPORT OFFERINGS</a:t>
+                <a:latin typeface="Adobe Clean"/>
+              </a:rPr>
+              <a:t>SUPPORT PLANS</a:t>
             </a:r>
             <a:endParaRPr sz="2300">
               <a:latin typeface="Adobe Clean" panose="020B0503020404020204" pitchFamily="34" charset="0"/>
@@ -1961,7 +2092,7 @@
         </p:nvSpPr>
         <p:spPr>
           <a:xfrm>
-            <a:off x="121147" y="635935"/>
+            <a:off x="121147" y="531160"/>
             <a:ext cx="5865216" cy="1269065"/>
           </a:xfrm>
           <a:prstGeom prst="rect">
@@ -2132,14 +2263,14 @@
           <p:nvPr>
             <p:extLst>
               <p:ext uri="{D42A27DB-BD31-4B8C-83A1-F6EECF244321}">
-                <p14:modId xmlns:p14="http://schemas.microsoft.com/office/powerpoint/2010/main" val="2501956132"/>
+                <p14:modId xmlns:p14="http://schemas.microsoft.com/office/powerpoint/2010/main" val="852543156"/>
               </p:ext>
             </p:extLst>
           </p:nvPr>
         </p:nvGraphicFramePr>
         <p:xfrm>
-          <a:off x="121146" y="7475985"/>
-          <a:ext cx="7498852" cy="2207759"/>
+          <a:off x="118872" y="7475985"/>
+          <a:ext cx="7498851" cy="2223598"/>
         </p:xfrm>
         <a:graphic>
           <a:graphicData uri="http://schemas.openxmlformats.org/drawingml/2006/table">
@@ -2148,7 +2279,7 @@
                 <a:tableStyleId>{2D5ABB26-0587-4C30-8999-92F81FD0307C}</a:tableStyleId>
               </a:tblPr>
               <a:tblGrid>
-                <a:gridCol w="4698745">
+                <a:gridCol w="4698744">
                   <a:extLst>
                     <a:ext uri="{9D8B030D-6E8A-4147-A177-3AD203B41FA5}">
                       <a16:colId xmlns:a16="http://schemas.microsoft.com/office/drawing/2014/main" val="20000"/>
@@ -2170,7 +2301,7 @@
                   </a:extLst>
                 </a:gridCol>
               </a:tblGrid>
-              <a:tr h="274318">
+              <a:tr h="291248">
                 <a:tc>
                   <a:txBody>
                     <a:bodyPr/>
@@ -2200,7 +2331,7 @@
                       </a:endParaRPr>
                     </a:p>
                   </a:txBody>
-                  <a:tcPr marL="0" marR="0" marT="7620" marB="0" anchor="ctr">
+                  <a:tcPr marL="0" marR="0" marT="7620" marB="0">
                     <a:lnL w="3175">
                       <a:solidFill>
                         <a:srgbClr val="B7B8B8"/>
@@ -2259,7 +2390,7 @@
                       </a:endParaRPr>
                     </a:p>
                   </a:txBody>
-                  <a:tcPr anchor="ctr">
+                  <a:tcPr marL="182880" marT="91440" anchor="ctr">
                     <a:lnL w="3175">
                       <a:solidFill>
                         <a:srgbClr val="B7B8B8"/>
@@ -2338,7 +2469,7 @@
                       </a:endParaRPr>
                     </a:p>
                   </a:txBody>
-                  <a:tcPr anchor="ctr">
+                  <a:tcPr marL="182880" marT="91440" anchor="ctr">
                     <a:lnL w="3175">
                       <a:solidFill>
                         <a:srgbClr val="B7B8B8"/>
@@ -2374,7 +2505,7 @@
                   </a:ext>
                 </a:extLst>
               </a:tr>
-              <a:tr h="484755">
+              <a:tr h="514672">
                 <a:tc>
                   <a:txBody>
                     <a:bodyPr/>
@@ -2505,7 +2636,7 @@
                           <a:latin typeface="AdobeClean-Light"/>
                           <a:cs typeface="AdobeClean-Light"/>
                         </a:rPr>
-                        <a:t>/  </a:t>
+                        <a:t>/</a:t>
                       </a:r>
                       <a:r>
                         <a:rPr lang="en-US" sz="900" spc="0">
@@ -2515,7 +2646,7 @@
                           <a:latin typeface="AdobeClean-Light"/>
                           <a:cs typeface="AdobeClean-Light"/>
                         </a:rPr>
-                        <a:t>         </a:t>
+                        <a:t> </a:t>
                       </a:r>
                       <a:r>
                         <a:rPr sz="900" spc="0">
@@ -2533,7 +2664,7 @@
                       </a:endParaRPr>
                     </a:p>
                   </a:txBody>
-                  <a:tcPr anchor="ctr">
+                  <a:tcPr marL="0" marR="0" marT="91440" marB="91440" anchor="ctr" anchorCtr="1">
                     <a:lnL w="3175">
                       <a:solidFill>
                         <a:srgbClr val="B7B8B8"/>
@@ -2601,7 +2732,7 @@
                           <a:latin typeface="AdobeClean-Light"/>
                           <a:cs typeface="AdobeClean-Light"/>
                         </a:rPr>
-                        <a:t>/ </a:t>
+                        <a:t>/</a:t>
                       </a:r>
                       <a:r>
                         <a:rPr lang="en-US" sz="900" spc="0">
@@ -2611,7 +2742,7 @@
                           <a:latin typeface="AdobeClean-Light"/>
                           <a:cs typeface="AdobeClean-Light"/>
                         </a:rPr>
-                        <a:t>        </a:t>
+                        <a:t> </a:t>
                       </a:r>
                       <a:r>
                         <a:rPr sz="900" spc="0">
@@ -2621,7 +2752,7 @@
                           <a:latin typeface="AdobeClean-Light"/>
                           <a:cs typeface="AdobeClean-Light"/>
                         </a:rPr>
-                        <a:t> 1 hour</a:t>
+                        <a:t>1 hour</a:t>
                       </a:r>
                       <a:endParaRPr sz="900" spc="0">
                         <a:latin typeface="AdobeClean-Light"/>
@@ -2629,7 +2760,7 @@
                       </a:endParaRPr>
                     </a:p>
                   </a:txBody>
-                  <a:tcPr anchor="ctr">
+                  <a:tcPr marL="0" marR="0" marT="91440" marB="91440" anchor="ctr" anchorCtr="1">
                     <a:lnL w="3175">
                       <a:solidFill>
                         <a:srgbClr val="B7B8B8"/>
@@ -2667,7 +2798,7 @@
                   </a:ext>
                 </a:extLst>
               </a:tr>
-              <a:tr h="484755">
+              <a:tr h="514672">
                 <a:tc>
                   <a:txBody>
                     <a:bodyPr/>
@@ -2809,7 +2940,7 @@
                           <a:latin typeface="AdobeClean-Light"/>
                           <a:cs typeface="AdobeClean-Light"/>
                         </a:rPr>
-                        <a:t>/  </a:t>
+                        <a:t>/</a:t>
                       </a:r>
                       <a:r>
                         <a:rPr lang="en-US" sz="900" spc="0">
@@ -2819,7 +2950,7 @@
                           <a:latin typeface="AdobeClean-Light"/>
                           <a:cs typeface="AdobeClean-Light"/>
                         </a:rPr>
-                        <a:t>   </a:t>
+                        <a:t> </a:t>
                       </a:r>
                       <a:r>
                         <a:rPr sz="900" spc="0">
@@ -2837,7 +2968,7 @@
                       </a:endParaRPr>
                     </a:p>
                   </a:txBody>
-                  <a:tcPr anchor="ctr">
+                  <a:tcPr marL="0" marR="0" marT="91440" marB="91440" anchor="ctr" anchorCtr="1">
                     <a:lnL w="3175">
                       <a:solidFill>
                         <a:srgbClr val="B7B8B8"/>
@@ -2877,6 +3008,16 @@
                           <a:spcPts val="670"/>
                         </a:spcBef>
                       </a:pPr>
+                      <a:r>
+                        <a:rPr lang="en-US" sz="900" spc="0">
+                          <a:solidFill>
+                            <a:srgbClr val="020302"/>
+                          </a:solidFill>
+                          <a:latin typeface="AdobeClean-Light"/>
+                          <a:cs typeface="AdobeClean-Light"/>
+                        </a:rPr>
+                        <a:t>    </a:t>
+                      </a:r>
                       <a:r>
                         <a:rPr sz="900" spc="0">
                           <a:solidFill>
@@ -2915,6 +3056,26 @@
                           <a:latin typeface="AdobeClean-Light"/>
                           <a:cs typeface="AdobeClean-Light"/>
                         </a:rPr>
+                        <a:t> / </a:t>
+                      </a:r>
+                      <a:r>
+                        <a:rPr sz="900" spc="0">
+                          <a:solidFill>
+                            <a:srgbClr val="020302"/>
+                          </a:solidFill>
+                          <a:latin typeface="AdobeClean-Light"/>
+                          <a:cs typeface="AdobeClean-Light"/>
+                        </a:rPr>
+                        <a:t>2</a:t>
+                      </a:r>
+                      <a:r>
+                        <a:rPr lang="en-US" sz="900" spc="0">
+                          <a:solidFill>
+                            <a:srgbClr val="020302"/>
+                          </a:solidFill>
+                          <a:latin typeface="AdobeClean-Light"/>
+                          <a:cs typeface="AdobeClean-Light"/>
+                        </a:rPr>
                         <a:t> </a:t>
                       </a:r>
                       <a:r>
@@ -2925,27 +3086,7 @@
                           <a:latin typeface="AdobeClean-Light"/>
                           <a:cs typeface="AdobeClean-Light"/>
                         </a:rPr>
-                        <a:t>/  </a:t>
-                      </a:r>
-                      <a:r>
-                        <a:rPr lang="en-US" sz="900" spc="0">
-                          <a:solidFill>
-                            <a:srgbClr val="020302"/>
-                          </a:solidFill>
-                          <a:latin typeface="AdobeClean-Light"/>
-                          <a:cs typeface="AdobeClean-Light"/>
-                        </a:rPr>
-                        <a:t>    </a:t>
-                      </a:r>
-                      <a:r>
-                        <a:rPr sz="900" spc="0">
-                          <a:solidFill>
-                            <a:srgbClr val="020302"/>
-                          </a:solidFill>
-                          <a:latin typeface="AdobeClean-Light"/>
-                          <a:cs typeface="AdobeClean-Light"/>
-                        </a:rPr>
-                        <a:t>2 hours</a:t>
+                        <a:t>hours</a:t>
                       </a:r>
                       <a:endParaRPr sz="900" spc="0">
                         <a:latin typeface="AdobeClean-Light"/>
@@ -2953,7 +3094,7 @@
                       </a:endParaRPr>
                     </a:p>
                   </a:txBody>
-                  <a:tcPr anchor="ctr">
+                  <a:tcPr marL="0" marR="0" marT="91440" marB="91440" anchor="ctr" anchorCtr="1">
                     <a:lnL w="3175">
                       <a:solidFill>
                         <a:srgbClr val="B7B8B8"/>
@@ -2991,7 +3132,7 @@
                   </a:ext>
                 </a:extLst>
               </a:tr>
-              <a:tr h="484756">
+              <a:tr h="514673">
                 <a:tc>
                   <a:txBody>
                     <a:bodyPr/>
@@ -3093,6 +3234,16 @@
                         </a:spcBef>
                       </a:pPr>
                       <a:r>
+                        <a:rPr lang="en-US" sz="900" spc="0">
+                          <a:solidFill>
+                            <a:srgbClr val="020302"/>
+                          </a:solidFill>
+                          <a:latin typeface="AdobeClean-Light"/>
+                          <a:cs typeface="AdobeClean-Light"/>
+                        </a:rPr>
+                        <a:t>   </a:t>
+                      </a:r>
+                      <a:r>
                         <a:rPr sz="900" spc="0">
                           <a:solidFill>
                             <a:srgbClr val="020302"/>
@@ -3130,27 +3281,7 @@
                           <a:latin typeface="AdobeClean-Light"/>
                           <a:cs typeface="AdobeClean-Light"/>
                         </a:rPr>
-                        <a:t> </a:t>
-                      </a:r>
-                      <a:r>
-                        <a:rPr sz="900" spc="0">
-                          <a:solidFill>
-                            <a:srgbClr val="020302"/>
-                          </a:solidFill>
-                          <a:latin typeface="AdobeClean-Light"/>
-                          <a:cs typeface="AdobeClean-Light"/>
-                        </a:rPr>
-                        <a:t>/  </a:t>
-                      </a:r>
-                      <a:r>
-                        <a:rPr lang="en-US" sz="900" spc="0">
-                          <a:solidFill>
-                            <a:srgbClr val="020302"/>
-                          </a:solidFill>
-                          <a:latin typeface="AdobeClean-Light"/>
-                          <a:cs typeface="AdobeClean-Light"/>
-                        </a:rPr>
-                        <a:t>   </a:t>
+                        <a:t> / </a:t>
                       </a:r>
                       <a:r>
                         <a:rPr sz="900" spc="0">
@@ -3188,7 +3319,7 @@
                       </a:endParaRPr>
                     </a:p>
                   </a:txBody>
-                  <a:tcPr anchor="ctr">
+                  <a:tcPr marL="0" marR="0" marT="91440" marB="91440" anchor="ctr" anchorCtr="1">
                     <a:lnL w="3175">
                       <a:solidFill>
                         <a:srgbClr val="B7B8B8"/>
@@ -3276,27 +3407,7 @@
                           <a:latin typeface="AdobeClean-Light"/>
                           <a:cs typeface="AdobeClean-Light"/>
                         </a:rPr>
-                        <a:t>/  </a:t>
-                      </a:r>
-                      <a:r>
-                        <a:rPr lang="en-US" sz="900" spc="0">
-                          <a:solidFill>
-                            <a:srgbClr val="020302"/>
-                          </a:solidFill>
-                          <a:latin typeface="AdobeClean-Light"/>
-                          <a:cs typeface="AdobeClean-Light"/>
-                        </a:rPr>
-                        <a:t>   </a:t>
-                      </a:r>
-                      <a:r>
-                        <a:rPr sz="900" spc="0">
-                          <a:solidFill>
-                            <a:srgbClr val="020302"/>
-                          </a:solidFill>
-                          <a:latin typeface="AdobeClean-Light"/>
-                          <a:cs typeface="AdobeClean-Light"/>
-                        </a:rPr>
-                        <a:t>4</a:t>
+                        <a:t>/ 4</a:t>
                       </a:r>
                       <a:r>
                         <a:rPr lang="en-US" sz="900" spc="0">
@@ -3324,7 +3435,7 @@
                       </a:endParaRPr>
                     </a:p>
                   </a:txBody>
-                  <a:tcPr anchor="ctr">
+                  <a:tcPr marL="0" marR="0" marT="91440" marB="91440" anchor="ctr" anchorCtr="1">
                     <a:lnL w="3175">
                       <a:solidFill>
                         <a:srgbClr val="B7B8B8"/>
@@ -3362,7 +3473,7 @@
                   </a:ext>
                 </a:extLst>
               </a:tr>
-              <a:tr h="359998">
+              <a:tr h="388333">
                 <a:tc>
                   <a:txBody>
                     <a:bodyPr/>
@@ -3466,6 +3577,16 @@
                         </a:spcBef>
                       </a:pPr>
                       <a:r>
+                        <a:rPr lang="en-US" sz="900" spc="0">
+                          <a:solidFill>
+                            <a:srgbClr val="020302"/>
+                          </a:solidFill>
+                          <a:latin typeface="AdobeClean-Light"/>
+                          <a:cs typeface="AdobeClean-Light"/>
+                        </a:rPr>
+                        <a:t>  </a:t>
+                      </a:r>
+                      <a:r>
                         <a:rPr sz="900" spc="0">
                           <a:solidFill>
                             <a:srgbClr val="020302"/>
@@ -3503,27 +3624,7 @@
                           <a:latin typeface="AdobeClean-Light"/>
                           <a:cs typeface="AdobeClean-Light"/>
                         </a:rPr>
-                        <a:t> </a:t>
-                      </a:r>
-                      <a:r>
-                        <a:rPr sz="900" spc="0">
-                          <a:solidFill>
-                            <a:srgbClr val="020302"/>
-                          </a:solidFill>
-                          <a:latin typeface="AdobeClean-Light"/>
-                          <a:cs typeface="AdobeClean-Light"/>
-                        </a:rPr>
-                        <a:t>/  </a:t>
-                      </a:r>
-                      <a:r>
-                        <a:rPr lang="en-US" sz="900" spc="0">
-                          <a:solidFill>
-                            <a:srgbClr val="020302"/>
-                          </a:solidFill>
-                          <a:latin typeface="AdobeClean-Light"/>
-                          <a:cs typeface="AdobeClean-Light"/>
-                        </a:rPr>
-                        <a:t>    </a:t>
+                        <a:t> / </a:t>
                       </a:r>
                       <a:r>
                         <a:rPr sz="900" spc="0">
@@ -3541,7 +3642,7 @@
                       </a:endParaRPr>
                     </a:p>
                   </a:txBody>
-                  <a:tcPr anchor="ctr">
+                  <a:tcPr marL="0" marR="0" marT="91440" marB="91440" anchor="ctr" anchorCtr="1">
                     <a:lnL w="3175">
                       <a:solidFill>
                         <a:srgbClr val="B7B8B8"/>
@@ -3629,34 +3730,7 @@
                           <a:latin typeface="AdobeClean-Light"/>
                           <a:cs typeface="AdobeClean-Light"/>
                         </a:rPr>
-                        <a:t>/ </a:t>
-                      </a:r>
-                      <a:endParaRPr lang="en-US" sz="900" spc="0">
-                        <a:solidFill>
-                          <a:srgbClr val="020302"/>
-                        </a:solidFill>
-                        <a:latin typeface="AdobeClean-Light"/>
-                        <a:cs typeface="AdobeClean-Light"/>
-                      </a:endParaRPr>
-                    </a:p>
-                    <a:p>
-                      <a:pPr marL="370840" marR="223520" indent="-202565" algn="ctr">
-                        <a:lnSpc>
-                          <a:spcPct val="100000"/>
-                        </a:lnSpc>
-                        <a:spcBef>
-                          <a:spcPts val="155"/>
-                        </a:spcBef>
-                      </a:pPr>
-                      <a:r>
-                        <a:rPr sz="900" spc="0">
-                          <a:solidFill>
-                            <a:srgbClr val="020302"/>
-                          </a:solidFill>
-                          <a:latin typeface="AdobeClean-Light"/>
-                          <a:cs typeface="AdobeClean-Light"/>
-                        </a:rPr>
-                        <a:t> </a:t>
+                        <a:t>/</a:t>
                       </a:r>
                       <a:r>
                         <a:rPr lang="en-US" sz="900" spc="0">
@@ -3684,7 +3758,7 @@
                       </a:endParaRPr>
                     </a:p>
                   </a:txBody>
-                  <a:tcPr anchor="ctr">
+                  <a:tcPr marL="0" marR="0" marT="91440" marB="91440" anchor="ctr" anchorCtr="1">
                     <a:lnL w="3175">
                       <a:solidFill>
                         <a:srgbClr val="B7B8B8"/>
@@ -7258,14 +7332,14 @@
         <p:spPr>
           <a:xfrm>
             <a:off x="2836967" y="8618616"/>
-            <a:ext cx="2286000" cy="487313"/>
+            <a:ext cx="2286000" cy="641201"/>
           </a:xfrm>
           <a:prstGeom prst="rect">
             <a:avLst/>
           </a:prstGeom>
         </p:spPr>
         <p:txBody>
-          <a:bodyPr vert="horz" wrap="square" lIns="0" tIns="12700" rIns="0" bIns="0" rtlCol="0">
+          <a:bodyPr vert="horz" wrap="square" lIns="0" tIns="12700" rIns="0" bIns="0" rtlCol="0" anchor="t">
             <a:spAutoFit/>
           </a:bodyPr>
           <a:lstStyle/>
@@ -7311,19 +7385,19 @@
               </a:rPr>
               <a:t>help with case submission</a:t>
             </a:r>
-            <a:endParaRPr lang="en-US" sz="1000">
-              <a:solidFill>
-                <a:srgbClr val="020302"/>
-              </a:solidFill>
-              <a:latin typeface="AdobeClean-Light"/>
-              <a:cs typeface="AdobeClean-Light"/>
-            </a:endParaRPr>
+            <a:r>
+              <a:rPr lang="en-US" sz="1000">
+                <a:solidFill>
+                  <a:srgbClr val="020302"/>
+                </a:solidFill>
+                <a:latin typeface="AdobeClean-Light"/>
+                <a:cs typeface="AdobeClean-Light"/>
+              </a:rPr>
+              <a:t>.</a:t>
+            </a:r>
           </a:p>
           <a:p>
             <a:pPr marL="33020" marR="159385">
-              <a:lnSpc>
-                <a:spcPct val="100000"/>
-              </a:lnSpc>
               <a:spcBef>
                 <a:spcPts val="100"/>
               </a:spcBef>
@@ -7349,7 +7423,17 @@
                 <a:latin typeface="AdobeClean-LightIt"/>
                 <a:cs typeface="AdobeClean-LightIt"/>
               </a:rPr>
-              <a:t>.  </a:t>
+              <a:t>.</a:t>
+            </a:r>
+            <a:r>
+              <a:rPr lang="en-US" sz="900" i="1">
+                <a:solidFill>
+                  <a:srgbClr val="7A7A7A"/>
+                </a:solidFill>
+                <a:latin typeface="AdobeClean-LightIt"/>
+                <a:cs typeface="AdobeClean-LightIt"/>
+              </a:rPr>
+              <a:t>  </a:t>
             </a:r>
             <a:endParaRPr sz="900">
               <a:latin typeface="AdobeClean-Light"/>
@@ -9911,7 +9995,7 @@
           </a:prstGeom>
         </p:spPr>
         <p:txBody>
-          <a:bodyPr vert="horz" wrap="square" lIns="0" tIns="29845" rIns="0" bIns="0" rtlCol="0">
+          <a:bodyPr vert="horz" wrap="square" lIns="0" tIns="29845" rIns="0" bIns="0" rtlCol="0" anchor="t">
             <a:spAutoFit/>
           </a:bodyPr>
           <a:lstStyle/>
@@ -10262,7 +10346,27 @@
                 <a:latin typeface="AdobeClean-LightIt"/>
                 <a:cs typeface="AdobeClean-LightIt"/>
               </a:rPr>
-              <a:t>Manager  </a:t>
+              <a:t>Manager</a:t>
+            </a:r>
+            <a:r>
+              <a:rPr lang="en-US" sz="1100" i="1" spc="-20">
+                <a:solidFill>
+                  <a:srgbClr val="777879"/>
+                </a:solidFill>
+                <a:latin typeface="AdobeClean-LightIt"/>
+                <a:cs typeface="AdobeClean-LightIt"/>
+              </a:rPr>
+              <a:t> </a:t>
+            </a:r>
+            <a:r>
+              <a:rPr sz="1100" i="1" spc="-20">
+                <a:solidFill>
+                  <a:srgbClr val="777879"/>
+                </a:solidFill>
+                <a:latin typeface="AdobeClean-LightIt"/>
+                <a:cs typeface="AdobeClean-LightIt"/>
+              </a:rPr>
+              <a:t> </a:t>
             </a:r>
             <a:r>
               <a:rPr sz="1100" i="1" spc="-15">
@@ -10292,27 +10396,37 @@
                 <a:latin typeface="AdobeClean-LightIt"/>
                 <a:cs typeface="AdobeClean-LightIt"/>
               </a:rPr>
-              <a:t>Customer </a:t>
-            </a:r>
-            <a:r>
-              <a:rPr sz="1100" i="1" spc="-20">
+              <a:t>Customer</a:t>
+            </a:r>
+            <a:r>
+              <a:rPr lang="en-US" sz="1100" i="1" spc="-15">
                 <a:solidFill>
                   <a:srgbClr val="777879"/>
                 </a:solidFill>
                 <a:latin typeface="AdobeClean-LightIt"/>
                 <a:cs typeface="AdobeClean-LightIt"/>
               </a:rPr>
-              <a:t>Success</a:t>
-            </a:r>
-            <a:r>
-              <a:rPr sz="1100" i="1" spc="-180">
+              <a:t> </a:t>
+            </a:r>
+            <a:r>
+              <a:rPr lang="en-US" sz="1100" i="1" spc="-20">
                 <a:solidFill>
                   <a:srgbClr val="777879"/>
                 </a:solidFill>
                 <a:latin typeface="AdobeClean-LightIt"/>
                 <a:cs typeface="AdobeClean-LightIt"/>
               </a:rPr>
-              <a:t> </a:t>
+              <a:t>Success </a:t>
+            </a:r>
+            <a:r>
+              <a:rPr lang="en-US" sz="1100" i="1" spc="-15">
+                <a:solidFill>
+                  <a:srgbClr val="777879"/>
+                </a:solidFill>
+                <a:latin typeface="AdobeClean-LightIt"/>
+                <a:cs typeface="AdobeClean-LightIt"/>
+              </a:rPr>
+              <a:t>Manager </a:t>
             </a:r>
             <a:r>
               <a:rPr sz="1100" i="1" spc="-15">
@@ -10322,7 +10436,7 @@
                 <a:latin typeface="AdobeClean-LightIt"/>
                 <a:cs typeface="AdobeClean-LightIt"/>
               </a:rPr>
-              <a:t>Manager(CSM)</a:t>
+              <a:t>(CSM)</a:t>
             </a:r>
             <a:endParaRPr sz="1100">
               <a:latin typeface="AdobeClean-LightIt"/>
@@ -10529,7 +10643,7 @@
                     <a:p>
                       <a:pPr algn="ctr"/>
                       <a:r>
-                        <a:rPr lang="en-US" sz="1100" dirty="0">
+                        <a:rPr lang="en-US" sz="1100">
                           <a:solidFill>
                             <a:schemeClr val="tx1"/>
                           </a:solidFill>
@@ -10594,7 +10708,7 @@
                     <a:p>
                       <a:pPr algn="ctr"/>
                       <a:r>
-                        <a:rPr lang="en-US" sz="1100" dirty="0">
+                        <a:rPr lang="en-US" sz="1100">
                           <a:solidFill>
                             <a:schemeClr val="tx1"/>
                           </a:solidFill>
@@ -10659,7 +10773,7 @@
                     <a:p>
                       <a:pPr algn="ctr"/>
                       <a:r>
-                        <a:rPr lang="en-US" sz="1100" dirty="0">
+                        <a:rPr lang="en-US" sz="1100">
                           <a:solidFill>
                             <a:schemeClr val="tx1"/>
                           </a:solidFill>
@@ -10724,7 +10838,7 @@
                     <a:p>
                       <a:pPr algn="ctr"/>
                       <a:r>
-                        <a:rPr lang="en-US" sz="1100" dirty="0">
+                        <a:rPr lang="en-US" sz="1100">
                           <a:solidFill>
                             <a:schemeClr val="tx1"/>
                           </a:solidFill>
@@ -10733,7 +10847,7 @@
                         <a:t>Japan </a:t>
                       </a:r>
                       <a:r>
-                        <a:rPr lang="en-US" sz="1100" baseline="30000" dirty="0">
+                        <a:rPr lang="en-US" sz="1100" baseline="30000">
                           <a:solidFill>
                             <a:schemeClr val="tx1"/>
                           </a:solidFill>
@@ -10811,7 +10925,7 @@
                     <a:p>
                       <a:pPr algn="ctr"/>
                       <a:r>
-                        <a:rPr lang="en-US" sz="1100" dirty="0">
+                        <a:rPr lang="en-US" sz="1100">
                           <a:solidFill>
                             <a:schemeClr val="tx1"/>
                           </a:solidFill>
@@ -10876,7 +10990,7 @@
                     <a:p>
                       <a:pPr algn="ctr"/>
                       <a:r>
-                        <a:rPr lang="en-US" sz="1100" dirty="0">
+                        <a:rPr lang="en-US" sz="1100">
                           <a:solidFill>
                             <a:schemeClr val="tx1"/>
                           </a:solidFill>
@@ -10941,7 +11055,7 @@
                     <a:p>
                       <a:pPr algn="ctr"/>
                       <a:r>
-                        <a:rPr lang="en-US" sz="1100" dirty="0">
+                        <a:rPr lang="en-US" sz="1100">
                           <a:solidFill>
                             <a:schemeClr val="tx1"/>
                           </a:solidFill>
@@ -11006,7 +11120,7 @@
                     <a:p>
                       <a:pPr algn="ctr"/>
                       <a:r>
-                        <a:rPr lang="en-US" sz="1100" dirty="0">
+                        <a:rPr lang="en-US" sz="1100">
                           <a:solidFill>
                             <a:schemeClr val="tx1"/>
                           </a:solidFill>
@@ -11092,7 +11206,7 @@
                         <a:buNone/>
                       </a:pPr>
                       <a:r>
-                        <a:rPr lang="en-US" sz="1100" b="1" i="0" u="none" strike="noStrike" kern="0" cap="none" spc="0" normalizeH="0" baseline="30000" noProof="0" dirty="0">
+                        <a:rPr lang="en-US" sz="1100" b="1" i="0" u="none" strike="noStrike" kern="0" cap="none" spc="0" normalizeH="0" baseline="30000" noProof="0">
                           <a:ln>
                             <a:noFill/>
                           </a:ln>
@@ -11106,7 +11220,7 @@
                         <a:t> </a:t>
                       </a:r>
                       <a:r>
-                        <a:rPr lang="en-US" sz="1100" dirty="0">
+                        <a:rPr lang="en-US" sz="1100">
                           <a:solidFill>
                             <a:schemeClr val="tx1"/>
                           </a:solidFill>
@@ -11114,7 +11228,7 @@
                         </a:rPr>
                         <a:t>Language support is only available in English and Japanese.</a:t>
                       </a:r>
-                      <a:endParaRPr lang="en-US" dirty="0">
+                      <a:endParaRPr lang="en-US">
                         <a:latin typeface="Adobe Clean"/>
                       </a:endParaRPr>
                     </a:p>
@@ -11135,7 +11249,7 @@
                         <a:buNone/>
                       </a:pPr>
                       <a:r>
-                        <a:rPr lang="en-US" sz="1100" i="1" dirty="0">
+                        <a:rPr lang="en-US" sz="1100" i="1">
                           <a:solidFill>
                             <a:schemeClr val="tx1"/>
                           </a:solidFill>
@@ -11164,7 +11278,7 @@
                     <a:p>
                       <a:pPr algn="ctr"/>
                       <a:r>
-                        <a:rPr lang="en-US" sz="1100" i="0" dirty="0">
+                        <a:rPr lang="en-US" sz="1100" i="0">
                           <a:solidFill>
                             <a:schemeClr val="tx1"/>
                           </a:solidFill>
@@ -11173,7 +11287,7 @@
                         <a:t> </a:t>
                       </a:r>
                       <a:r>
-                        <a:rPr lang="en-US" sz="1100" i="0" baseline="30000" dirty="0">
+                        <a:rPr lang="en-US" sz="1100" i="0" baseline="30000">
                           <a:solidFill>
                             <a:schemeClr val="tx1"/>
                           </a:solidFill>
@@ -11182,7 +11296,7 @@
                         <a:t>1 </a:t>
                       </a:r>
                       <a:r>
-                        <a:rPr lang="en-US" sz="1100" i="0" dirty="0">
+                        <a:rPr lang="en-US" sz="1100" i="0">
                           <a:solidFill>
                             <a:schemeClr val="tx1"/>
                           </a:solidFill>
@@ -11891,11 +12005,17 @@
           <p:cNvGraphicFramePr>
             <a:graphicFrameLocks noGrp="1"/>
           </p:cNvGraphicFramePr>
-          <p:nvPr/>
+          <p:nvPr>
+            <p:extLst>
+              <p:ext uri="{D42A27DB-BD31-4B8C-83A1-F6EECF244321}">
+                <p14:modId xmlns:p14="http://schemas.microsoft.com/office/powerpoint/2010/main" val="3773282750"/>
+              </p:ext>
+            </p:extLst>
+          </p:nvPr>
         </p:nvGraphicFramePr>
         <p:xfrm>
           <a:off x="194236" y="1059345"/>
-          <a:ext cx="7368291" cy="3606800"/>
+          <a:ext cx="7368291" cy="3302000"/>
         </p:xfrm>
         <a:graphic>
           <a:graphicData uri="http://schemas.openxmlformats.org/drawingml/2006/table">
@@ -11930,7 +12050,7 @@
                           <a:solidFill>
                             <a:schemeClr val="tx1"/>
                           </a:solidFill>
-                          <a:latin typeface="Adobe Clean" panose="020B0503020404020204" pitchFamily="34" charset="0"/>
+                          <a:latin typeface="Adobe Clean"/>
                           <a:ea typeface="+mn-ea"/>
                           <a:cs typeface="+mn-cs"/>
                           <a:hlinkClick r:id="rId7"/>
@@ -11941,7 +12061,7 @@
                         <a:solidFill>
                           <a:schemeClr val="tx1"/>
                         </a:solidFill>
-                        <a:latin typeface="Adobe Clean" panose="020B0503020404020204" pitchFamily="34" charset="0"/>
+                        <a:latin typeface="Adobe Clean"/>
                         <a:ea typeface="+mn-ea"/>
                         <a:cs typeface="+mn-cs"/>
                       </a:endParaRPr>
@@ -12000,7 +12120,7 @@
                     <a:bodyPr/>
                     <a:lstStyle/>
                     <a:p>
-                      <a:pPr marL="0" marR="0" lvl="0" indent="0" defTabSz="914400" eaLnBrk="1" fontAlgn="auto" latinLnBrk="0" hangingPunct="1">
+                      <a:pPr marL="0" marR="0" lvl="0" indent="0" eaLnBrk="1" fontAlgn="auto" latinLnBrk="0" hangingPunct="1">
                         <a:lnSpc>
                           <a:spcPct val="100000"/>
                         </a:lnSpc>
@@ -12014,20 +12134,26 @@
                         <a:buSzTx/>
                         <a:buFontTx/>
                         <a:buNone/>
-                        <a:tabLst/>
-                        <a:defRPr/>
                       </a:pPr>
                       <a:r>
                         <a:rPr lang="en-US" sz="1000" b="0" kern="1200">
                           <a:solidFill>
                             <a:srgbClr val="000000"/>
                           </a:solidFill>
-                          <a:latin typeface="Adobe Clean Light" panose="020B0303020404020204" pitchFamily="34" charset="0"/>
+                          <a:latin typeface="Adobe Clean Light"/>
                           <a:ea typeface="+mn-ea"/>
                           <a:cs typeface="+mn-cs"/>
                         </a:rPr>
-                        <a:t>Experience League is how Adobe helps businesses achieve the value they expect from their Adobe investment. It’s the unified place where customers can learn, connect, and grow along a personalized path to success that includes self-help tutorials, product documentation, instructor-led training, community and technical support. </a:t>
+                        <a:t>Experience League is how Adobe helps businesses achieve the value they expect from their Adobe investment. It’s the unified place where customers can learn, connect, and grow along a personalized path to success that includes self-help tutorials, product documentation, instructor-led training, community and technical support. </a:t>
                       </a:r>
+                      <a:endParaRPr lang="en-US" sz="1000" b="0" kern="1200">
+                        <a:solidFill>
+                          <a:srgbClr val="000000"/>
+                        </a:solidFill>
+                        <a:latin typeface="Adobe Clean Light" panose="020B0303020404020204" pitchFamily="34" charset="0"/>
+                        <a:ea typeface="+mn-ea"/>
+                        <a:cs typeface="+mn-cs"/>
+                      </a:endParaRPr>
                     </a:p>
                   </a:txBody>
                   <a:tcPr anchor="ctr">
@@ -12113,7 +12239,7 @@
                             <a:schemeClr val="dk1"/>
                           </a:solidFill>
                           <a:effectLst/>
-                          <a:latin typeface="Adobe Clean" panose="020B0503020404020204" pitchFamily="34" charset="0"/>
+                          <a:latin typeface="Adobe Clean"/>
                           <a:ea typeface="+mn-ea"/>
                           <a:cs typeface="+mn-cs"/>
                           <a:hlinkClick r:id="rId8"/>
@@ -12126,7 +12252,7 @@
                             <a:schemeClr val="dk1"/>
                           </a:solidFill>
                           <a:effectLst/>
-                          <a:latin typeface="Adobe Clean" panose="020B0503020404020204" pitchFamily="34" charset="0"/>
+                          <a:latin typeface="Adobe Clean"/>
                           <a:ea typeface="+mn-ea"/>
                           <a:cs typeface="+mn-cs"/>
                         </a:rPr>
@@ -12137,7 +12263,7 @@
                           <a:schemeClr val="tx1"/>
                         </a:solidFill>
                         <a:effectLst/>
-                        <a:latin typeface="Adobe Clean" panose="020B0503020404020204" pitchFamily="34" charset="0"/>
+                        <a:latin typeface="Adobe Clean"/>
                         <a:ea typeface="+mn-ea"/>
                         <a:cs typeface="+mn-cs"/>
                       </a:endParaRPr>
@@ -12218,7 +12344,7 @@
                           <a:solidFill>
                             <a:srgbClr val="000000"/>
                           </a:solidFill>
-                          <a:latin typeface="Adobe Clean Light" panose="020B0303020404020204" pitchFamily="34" charset="0"/>
+                          <a:latin typeface="Adobe Clean Light"/>
                           <a:ea typeface="+mn-ea"/>
                           <a:cs typeface="+mn-cs"/>
                         </a:rPr>
@@ -12309,7 +12435,7 @@
                             <a:schemeClr val="tx1"/>
                           </a:solidFill>
                           <a:effectLst/>
-                          <a:latin typeface="Adobe Clean" panose="020B0503020404020204" pitchFamily="34" charset="0"/>
+                          <a:latin typeface="Adobe Clean"/>
                           <a:ea typeface="+mn-ea"/>
                           <a:cs typeface="+mn-cs"/>
                           <a:hlinkClick r:id="rId9"/>
@@ -12321,7 +12447,7 @@
                           <a:schemeClr val="tx1"/>
                         </a:solidFill>
                         <a:effectLst/>
-                        <a:latin typeface="Adobe Clean" panose="020B0503020404020204" pitchFamily="34" charset="0"/>
+                        <a:latin typeface="Adobe Clean"/>
                         <a:ea typeface="+mn-ea"/>
                         <a:cs typeface="+mn-cs"/>
                       </a:endParaRPr>
@@ -12380,7 +12506,7 @@
                     <a:bodyPr/>
                     <a:lstStyle/>
                     <a:p>
-                      <a:pPr marL="0" marR="0" lvl="0" indent="0" defTabSz="914400" eaLnBrk="1" fontAlgn="auto" latinLnBrk="0" hangingPunct="1">
+                      <a:pPr marL="0" marR="0" lvl="0" indent="0" eaLnBrk="1" fontAlgn="auto" latinLnBrk="0" hangingPunct="1">
                         <a:lnSpc>
                           <a:spcPct val="100000"/>
                         </a:lnSpc>
@@ -12394,20 +12520,26 @@
                         <a:buSzTx/>
                         <a:buFontTx/>
                         <a:buNone/>
-                        <a:tabLst/>
-                        <a:defRPr/>
                       </a:pPr>
                       <a:r>
                         <a:rPr lang="en-US" sz="1000" kern="1200">
                           <a:solidFill>
                             <a:srgbClr val="000000"/>
                           </a:solidFill>
-                          <a:latin typeface="Adobe Clean Light" panose="020B0303020404020204" pitchFamily="34" charset="0"/>
+                          <a:latin typeface="Adobe Clean Light"/>
                           <a:ea typeface="+mn-ea"/>
                           <a:cs typeface="+mn-cs"/>
                         </a:rPr>
-                        <a:t>Status.adobe.com conveys the health information of all Adobe products and services that are deployed in multi-tenant environments. Customers can choose their subscription preferences to get email notifications whenever Adobe creates, updates or resolves a product event. This can include scheduled maintenance or service issues of varying levels of severity. </a:t>
+                        <a:t>Status.adobe.com conveys the health information of all Adobe products and services that are deployed in multi-tenant environments. Customers can choose their subscription preferences to get email notifications whenever Adobe creates, updates or resolves a product event. This can include scheduled maintenance or service issues of varying levels of severity. </a:t>
                       </a:r>
+                      <a:endParaRPr lang="en-US" sz="1000" kern="1200">
+                        <a:solidFill>
+                          <a:srgbClr val="000000"/>
+                        </a:solidFill>
+                        <a:latin typeface="Adobe Clean Light" panose="020B0303020404020204" pitchFamily="34" charset="0"/>
+                        <a:ea typeface="+mn-ea"/>
+                        <a:cs typeface="+mn-cs"/>
+                      </a:endParaRPr>
                     </a:p>
                   </a:txBody>
                   <a:tcPr anchor="ctr">
@@ -12493,7 +12625,7 @@
                             <a:schemeClr val="dk1"/>
                           </a:solidFill>
                           <a:effectLst/>
-                          <a:latin typeface="Adobe Clean" panose="020B0503020404020204" pitchFamily="34" charset="0"/>
+                          <a:latin typeface="Adobe Clean"/>
                           <a:ea typeface="+mn-ea"/>
                           <a:cs typeface="+mn-cs"/>
                           <a:hlinkClick r:id="rId10" tooltip="https://helpx.adobe.com/support/programs/enterprise-support-programs/premier-support-business.html"/>
@@ -12505,7 +12637,7 @@
                           <a:schemeClr val="dk1"/>
                         </a:solidFill>
                         <a:effectLst/>
-                        <a:latin typeface="Adobe Clean" panose="020B0503020404020204" pitchFamily="34" charset="0"/>
+                        <a:latin typeface="Adobe Clean"/>
                         <a:ea typeface="+mn-ea"/>
                         <a:cs typeface="+mn-cs"/>
                       </a:endParaRPr>
@@ -12569,12 +12701,20 @@
                           <a:solidFill>
                             <a:srgbClr val="000000"/>
                           </a:solidFill>
-                          <a:latin typeface="Adobe Clean Light" panose="020B0303020404020204" pitchFamily="34" charset="0"/>
+                          <a:latin typeface="Adobe Clean Light"/>
                           <a:ea typeface="+mn-ea"/>
                           <a:cs typeface="+mn-cs"/>
                         </a:rPr>
-                        <a:t>Adobe Business Support website</a:t>
+                        <a:t>Adobe Business Support website.</a:t>
                       </a:r>
+                      <a:endParaRPr lang="en-US" sz="1000" kern="1200">
+                        <a:solidFill>
+                          <a:srgbClr val="000000"/>
+                        </a:solidFill>
+                        <a:latin typeface="Adobe Clean Light" panose="020B0303020404020204" pitchFamily="34" charset="0"/>
+                        <a:ea typeface="+mn-ea"/>
+                        <a:cs typeface="+mn-cs"/>
+                      </a:endParaRPr>
                     </a:p>
                   </a:txBody>
                   <a:tcPr anchor="ctr">
@@ -12660,7 +12800,7 @@
                             <a:schemeClr val="tx1"/>
                           </a:solidFill>
                           <a:effectLst/>
-                          <a:latin typeface="Adobe Clean" panose="020B0503020404020204" pitchFamily="34" charset="0"/>
+                          <a:latin typeface="Adobe Clean"/>
                           <a:ea typeface="+mn-ea"/>
                           <a:cs typeface="+mn-cs"/>
                           <a:hlinkClick r:id="rId11"/>
@@ -12672,7 +12812,7 @@
                           <a:schemeClr val="tx1"/>
                         </a:solidFill>
                         <a:effectLst/>
-                        <a:latin typeface="Adobe Clean" panose="020B0503020404020204" pitchFamily="34" charset="0"/>
+                        <a:latin typeface="Adobe Clean"/>
                         <a:ea typeface="+mn-ea"/>
                         <a:cs typeface="+mn-cs"/>
                       </a:endParaRPr>
@@ -12736,12 +12876,20 @@
                           <a:solidFill>
                             <a:srgbClr val="000000"/>
                           </a:solidFill>
-                          <a:latin typeface="Adobe Clean Light" panose="020B0303020404020204" pitchFamily="34" charset="0"/>
+                          <a:latin typeface="Adobe Clean Light"/>
                           <a:ea typeface="+mn-ea"/>
                           <a:cs typeface="+mn-cs"/>
                         </a:rPr>
-                        <a:t>Terms and conditions detailing Support Services offerings</a:t>
+                        <a:t>Terms and conditions detailing Support Services offerings.</a:t>
                       </a:r>
+                      <a:endParaRPr lang="en-US" sz="1000" kern="1200">
+                        <a:solidFill>
+                          <a:srgbClr val="000000"/>
+                        </a:solidFill>
+                        <a:latin typeface="Adobe Clean Light" panose="020B0303020404020204" pitchFamily="34" charset="0"/>
+                        <a:ea typeface="+mn-ea"/>
+                        <a:cs typeface="+mn-cs"/>
+                      </a:endParaRPr>
                     </a:p>
                   </a:txBody>
                   <a:tcPr anchor="ctr">
@@ -13716,18 +13864,18 @@
 </file>
 
 <file path=customXml/item2.xml><?xml version="1.0" encoding="utf-8"?>
-<p:properties xmlns:p="http://schemas.microsoft.com/office/2006/metadata/properties" xmlns:xsi="http://www.w3.org/2001/XMLSchema-instance" xmlns:pc="http://schemas.microsoft.com/office/infopath/2007/PartnerControls">
-  <documentManagement/>
-</p:properties>
-</file>
-
-<file path=customXml/item3.xml><?xml version="1.0" encoding="utf-8"?>
 <?mso-contentType ?>
 <FormTemplates xmlns="http://schemas.microsoft.com/sharepoint/v3/contenttype/forms">
   <Display>DocumentLibraryForm</Display>
   <Edit>DocumentLibraryForm</Edit>
   <New>DocumentLibraryForm</New>
 </FormTemplates>
+</file>
+
+<file path=customXml/item3.xml><?xml version="1.0" encoding="utf-8"?>
+<p:properties xmlns:p="http://schemas.microsoft.com/office/2006/metadata/properties" xmlns:xsi="http://www.w3.org/2001/XMLSchema-instance" xmlns:pc="http://schemas.microsoft.com/office/infopath/2007/PartnerControls">
+  <documentManagement/>
+</p:properties>
 </file>
 
 <file path=customXml/itemProps1.xml><?xml version="1.0" encoding="utf-8"?>
@@ -13750,18 +13898,26 @@
 </file>
 
 <file path=customXml/itemProps2.xml><?xml version="1.0" encoding="utf-8"?>
-<ds:datastoreItem xmlns:ds="http://schemas.openxmlformats.org/officeDocument/2006/customXml" ds:itemID="{10FC3CAF-E6F1-40E3-87D4-6B781C97D6B4}">
+<ds:datastoreItem xmlns:ds="http://schemas.openxmlformats.org/officeDocument/2006/customXml" ds:itemID="{95AE3B0B-E909-400C-B0B3-909FB50E07DE}">
   <ds:schemaRefs>
-    <ds:schemaRef ds:uri="http://schemas.microsoft.com/office/2006/metadata/properties"/>
-    <ds:schemaRef ds:uri="http://schemas.microsoft.com/office/infopath/2007/PartnerControls"/>
+    <ds:schemaRef ds:uri="http://schemas.microsoft.com/sharepoint/v3/contenttype/forms"/>
   </ds:schemaRefs>
 </ds:datastoreItem>
 </file>
 
 <file path=customXml/itemProps3.xml><?xml version="1.0" encoding="utf-8"?>
-<ds:datastoreItem xmlns:ds="http://schemas.openxmlformats.org/officeDocument/2006/customXml" ds:itemID="{95AE3B0B-E909-400C-B0B3-909FB50E07DE}">
+<ds:datastoreItem xmlns:ds="http://schemas.openxmlformats.org/officeDocument/2006/customXml" ds:itemID="{10FC3CAF-E6F1-40E3-87D4-6B781C97D6B4}">
   <ds:schemaRefs>
-    <ds:schemaRef ds:uri="http://schemas.microsoft.com/sharepoint/v3/contenttype/forms"/>
+    <ds:schemaRef ds:uri="6c8368ec-3776-49b5-a5bb-90648cf9530f"/>
+    <ds:schemaRef ds:uri="8a053bff-88be-49e4-9a87-e748e18b8b62"/>
+    <ds:schemaRef ds:uri="http://purl.org/dc/dcmitype/"/>
+    <ds:schemaRef ds:uri="http://purl.org/dc/elements/1.1/"/>
+    <ds:schemaRef ds:uri="http://purl.org/dc/terms/"/>
+    <ds:schemaRef ds:uri="http://schemas.microsoft.com/office/2006/documentManagement/types"/>
+    <ds:schemaRef ds:uri="http://schemas.microsoft.com/office/2006/metadata/properties"/>
+    <ds:schemaRef ds:uri="http://schemas.microsoft.com/office/infopath/2007/PartnerControls"/>
+    <ds:schemaRef ds:uri="http://schemas.openxmlformats.org/package/2006/metadata/core-properties"/>
+    <ds:schemaRef ds:uri="http://www.w3.org/XML/1998/namespace"/>
   </ds:schemaRefs>
 </ds:datastoreItem>
 </file>
--- a/help/data-sheets/assets/BusinessSupportDatasheet.pptx
+++ b/help/data-sheets/assets/BusinessSupportDatasheet.pptx
@@ -247,6 +247,30 @@
     </pc:docChg>
   </pc:docChgLst>
   <pc:docChgLst>
+    <pc:chgData name="Akilah Johnson" userId="S::akjohnso@adobe.com::2fa3aa60-0c9c-4d06-bae2-795983241227" providerId="AD" clId="Web-{D428A0AE-54E2-30D2-C574-7A0742876CCF}"/>
+    <pc:docChg chg="modSld">
+      <pc:chgData name="Akilah Johnson" userId="S::akjohnso@adobe.com::2fa3aa60-0c9c-4d06-bae2-795983241227" providerId="AD" clId="Web-{D428A0AE-54E2-30D2-C574-7A0742876CCF}" dt="2021-10-12T19:11:25.330" v="0" actId="20577"/>
+      <pc:docMkLst>
+        <pc:docMk/>
+      </pc:docMkLst>
+      <pc:sldChg chg="modSp">
+        <pc:chgData name="Akilah Johnson" userId="S::akjohnso@adobe.com::2fa3aa60-0c9c-4d06-bae2-795983241227" providerId="AD" clId="Web-{D428A0AE-54E2-30D2-C574-7A0742876CCF}" dt="2021-10-12T19:11:25.330" v="0" actId="20577"/>
+        <pc:sldMkLst>
+          <pc:docMk/>
+          <pc:sldMk cId="0" sldId="256"/>
+        </pc:sldMkLst>
+        <pc:spChg chg="mod">
+          <ac:chgData name="Akilah Johnson" userId="S::akjohnso@adobe.com::2fa3aa60-0c9c-4d06-bae2-795983241227" providerId="AD" clId="Web-{D428A0AE-54E2-30D2-C574-7A0742876CCF}" dt="2021-10-12T19:11:25.330" v="0" actId="20577"/>
+          <ac:spMkLst>
+            <pc:docMk/>
+            <pc:sldMk cId="0" sldId="256"/>
+            <ac:spMk id="4" creationId="{00000000-0000-0000-0000-000000000000}"/>
+          </ac:spMkLst>
+        </pc:spChg>
+      </pc:sldChg>
+    </pc:docChg>
+  </pc:docChgLst>
+  <pc:docChgLst>
     <pc:chgData name="Akilah Johnson" userId="S::akjohnso@adobe.com::2fa3aa60-0c9c-4d06-bae2-795983241227" providerId="AD" clId="Web-{71D6CFBF-0EA2-99B0-93F4-22F19EF0AE4E}"/>
     <pc:docChg chg="modSld">
       <pc:chgData name="Akilah Johnson" userId="S::akjohnso@adobe.com::2fa3aa60-0c9c-4d06-bae2-795983241227" providerId="AD" clId="Web-{71D6CFBF-0EA2-99B0-93F4-22F19EF0AE4E}" dt="2021-09-22T19:06:58.732" v="1" actId="1076"/>
@@ -265,30 +289,6 @@
             <pc:docMk/>
             <pc:sldMk cId="1050037809" sldId="261"/>
             <ac:spMk id="64" creationId="{41467BDC-3D83-D844-B922-CD07E94E5AAB}"/>
-          </ac:spMkLst>
-        </pc:spChg>
-      </pc:sldChg>
-    </pc:docChg>
-  </pc:docChgLst>
-  <pc:docChgLst>
-    <pc:chgData name="Akilah Johnson" userId="S::akjohnso@adobe.com::2fa3aa60-0c9c-4d06-bae2-795983241227" providerId="AD" clId="Web-{D428A0AE-54E2-30D2-C574-7A0742876CCF}"/>
-    <pc:docChg chg="modSld">
-      <pc:chgData name="Akilah Johnson" userId="S::akjohnso@adobe.com::2fa3aa60-0c9c-4d06-bae2-795983241227" providerId="AD" clId="Web-{D428A0AE-54E2-30D2-C574-7A0742876CCF}" dt="2021-10-12T19:11:25.330" v="0" actId="20577"/>
-      <pc:docMkLst>
-        <pc:docMk/>
-      </pc:docMkLst>
-      <pc:sldChg chg="modSp">
-        <pc:chgData name="Akilah Johnson" userId="S::akjohnso@adobe.com::2fa3aa60-0c9c-4d06-bae2-795983241227" providerId="AD" clId="Web-{D428A0AE-54E2-30D2-C574-7A0742876CCF}" dt="2021-10-12T19:11:25.330" v="0" actId="20577"/>
-        <pc:sldMkLst>
-          <pc:docMk/>
-          <pc:sldMk cId="0" sldId="256"/>
-        </pc:sldMkLst>
-        <pc:spChg chg="mod">
-          <ac:chgData name="Akilah Johnson" userId="S::akjohnso@adobe.com::2fa3aa60-0c9c-4d06-bae2-795983241227" providerId="AD" clId="Web-{D428A0AE-54E2-30D2-C574-7A0742876CCF}" dt="2021-10-12T19:11:25.330" v="0" actId="20577"/>
-          <ac:spMkLst>
-            <pc:docMk/>
-            <pc:sldMk cId="0" sldId="256"/>
-            <ac:spMk id="4" creationId="{00000000-0000-0000-0000-000000000000}"/>
           </ac:spMkLst>
         </pc:spChg>
       </pc:sldChg>
@@ -499,7 +499,7 @@
           <a:p>
             <a:fld id="{FB81873C-0B24-F04A-98A1-90E0A78F7E8A}" type="datetimeFigureOut">
               <a:rPr lang="en-US" smtClean="0"/>
-              <a:t>10/13/2021</a:t>
+              <a:t>12/7/21</a:t>
             </a:fld>
             <a:endParaRPr lang="en-US"/>
           </a:p>
@@ -1122,7 +1122,7 @@
           <a:p>
             <a:fld id="{1D8BD707-D9CF-40AE-B4C6-C98DA3205C09}" type="datetimeFigureOut">
               <a:rPr lang="en-US"/>
-              <a:t>10/13/2021</a:t>
+              <a:t>12/7/21</a:t>
             </a:fld>
             <a:endParaRPr lang="en-US"/>
           </a:p>
@@ -1314,7 +1314,7 @@
           <a:p>
             <a:fld id="{1D8BD707-D9CF-40AE-B4C6-C98DA3205C09}" type="datetimeFigureOut">
               <a:rPr lang="en-US"/>
-              <a:t>10/13/2021</a:t>
+              <a:t>12/7/21</a:t>
             </a:fld>
             <a:endParaRPr lang="en-US"/>
           </a:p>
@@ -1632,7 +1632,7 @@
           <a:p>
             <a:fld id="{1D8BD707-D9CF-40AE-B4C6-C98DA3205C09}" type="datetimeFigureOut">
               <a:rPr lang="en-US"/>
-              <a:t>10/13/2021</a:t>
+              <a:t>12/7/21</a:t>
             </a:fld>
             <a:endParaRPr lang="en-US"/>
           </a:p>
@@ -10590,7 +10590,7 @@
           <p:nvPr>
             <p:extLst>
               <p:ext uri="{D42A27DB-BD31-4B8C-83A1-F6EECF244321}">
-                <p14:modId xmlns:p14="http://schemas.microsoft.com/office/powerpoint/2010/main" val="2969235217"/>
+                <p14:modId xmlns:p14="http://schemas.microsoft.com/office/powerpoint/2010/main" val="914484175"/>
               </p:ext>
             </p:extLst>
           </p:nvPr>
@@ -11206,7 +11206,7 @@
                         <a:buNone/>
                       </a:pPr>
                       <a:r>
-                        <a:rPr lang="en-US" sz="1100" b="1" i="0" u="none" strike="noStrike" kern="0" cap="none" spc="0" normalizeH="0" baseline="30000" noProof="0">
+                        <a:rPr lang="en-US" sz="1100" b="1" i="0" u="none" strike="noStrike" kern="0" cap="none" spc="0" normalizeH="0" baseline="30000" noProof="0" dirty="0">
                           <a:ln>
                             <a:noFill/>
                           </a:ln>
@@ -11220,7 +11220,7 @@
                         <a:t> </a:t>
                       </a:r>
                       <a:r>
-                        <a:rPr lang="en-US" sz="1100">
+                        <a:rPr lang="en-US" sz="1100" dirty="0">
                           <a:solidFill>
                             <a:schemeClr val="tx1"/>
                           </a:solidFill>
@@ -11228,7 +11228,7 @@
                         </a:rPr>
                         <a:t>Language support is only available in English and Japanese.</a:t>
                       </a:r>
-                      <a:endParaRPr lang="en-US">
+                      <a:endParaRPr lang="en-US" dirty="0">
                         <a:latin typeface="Adobe Clean"/>
                       </a:endParaRPr>
                     </a:p>
@@ -11249,18 +11249,18 @@
                         <a:buNone/>
                       </a:pPr>
                       <a:r>
-                        <a:rPr lang="en-US" sz="1100" i="1">
+                        <a:rPr lang="en-US" sz="1100" i="1" dirty="0">
                           <a:solidFill>
                             <a:schemeClr val="tx1"/>
                           </a:solidFill>
                           <a:latin typeface="Adobe Clean"/>
                         </a:rPr>
-                        <a:t>*Adobe Commerce excludes Japanese languages support.</a:t>
+                        <a:t>*Adobe Commerce excludes Japanese languages support. </a:t>
                       </a:r>
                     </a:p>
                     <a:p>
                       <a:pPr algn="ctr"/>
-                      <a:endParaRPr kumimoji="0" lang="en-US" sz="1100" b="1" i="0" u="none" strike="noStrike" kern="0" cap="none" spc="0" normalizeH="0" baseline="30000" noProof="0">
+                      <a:endParaRPr kumimoji="0" lang="en-US" sz="1100" b="1" i="0" u="none" strike="noStrike" kern="0" cap="none" spc="0" normalizeH="0" baseline="30000" noProof="0" dirty="0">
                         <a:ln>
                           <a:noFill/>
                         </a:ln>
@@ -11278,7 +11278,7 @@
                     <a:p>
                       <a:pPr algn="ctr"/>
                       <a:r>
-                        <a:rPr lang="en-US" sz="1100" i="0">
+                        <a:rPr lang="en-US" sz="1100" i="0" dirty="0">
                           <a:solidFill>
                             <a:schemeClr val="tx1"/>
                           </a:solidFill>
@@ -11287,7 +11287,7 @@
                         <a:t> </a:t>
                       </a:r>
                       <a:r>
-                        <a:rPr lang="en-US" sz="1100" i="0" baseline="30000">
+                        <a:rPr lang="en-US" sz="1100" i="0" baseline="30000" dirty="0">
                           <a:solidFill>
                             <a:schemeClr val="tx1"/>
                           </a:solidFill>
@@ -11296,7 +11296,7 @@
                         <a:t>1 </a:t>
                       </a:r>
                       <a:r>
-                        <a:rPr lang="en-US" sz="1100" i="0">
+                        <a:rPr lang="en-US" sz="1100" i="0" dirty="0">
                           <a:solidFill>
                             <a:schemeClr val="tx1"/>
                           </a:solidFill>
@@ -11304,7 +11304,7 @@
                         </a:rPr>
                         <a:t>P2, P3, P4 cases are limited to business hours only in Japan.</a:t>
                       </a:r>
-                      <a:endParaRPr lang="en-US" sz="1100" b="1" i="0">
+                      <a:endParaRPr lang="en-US" sz="1100" b="1" i="0" dirty="0">
                         <a:solidFill>
                           <a:schemeClr val="tx1"/>
                         </a:solidFill>
@@ -13659,6 +13659,21 @@
 </file>
 
 <file path=customXml/item1.xml><?xml version="1.0" encoding="utf-8"?>
+<p:properties xmlns:p="http://schemas.microsoft.com/office/2006/metadata/properties" xmlns:xsi="http://www.w3.org/2001/XMLSchema-instance" xmlns:pc="http://schemas.microsoft.com/office/infopath/2007/PartnerControls">
+  <documentManagement/>
+</p:properties>
+</file>
+
+<file path=customXml/item2.xml><?xml version="1.0" encoding="utf-8"?>
+<?mso-contentType ?>
+<FormTemplates xmlns="http://schemas.microsoft.com/sharepoint/v3/contenttype/forms">
+  <Display>DocumentLibraryForm</Display>
+  <Edit>DocumentLibraryForm</Edit>
+  <New>DocumentLibraryForm</New>
+</FormTemplates>
+</file>
+
+<file path=customXml/item3.xml><?xml version="1.0" encoding="utf-8"?>
 <ct:contentTypeSchema xmlns:ct="http://schemas.microsoft.com/office/2006/metadata/contentType" xmlns:ma="http://schemas.microsoft.com/office/2006/metadata/properties/metaAttributes" ct:_="" ma:_="" ma:contentTypeName="Document" ma:contentTypeID="0x010100E783BF6876BCC646A459363AF21A7736" ma:contentTypeVersion="10" ma:contentTypeDescription="Create a new document." ma:contentTypeScope="" ma:versionID="c4ffda7f4f415767600769e454c2ea87">
   <xsd:schema xmlns:xsd="http://www.w3.org/2001/XMLSchema" xmlns:xs="http://www.w3.org/2001/XMLSchema" xmlns:p="http://schemas.microsoft.com/office/2006/metadata/properties" xmlns:ns2="8a053bff-88be-49e4-9a87-e748e18b8b62" xmlns:ns3="6c8368ec-3776-49b5-a5bb-90648cf9530f" targetNamespace="http://schemas.microsoft.com/office/2006/metadata/properties" ma:root="true" ma:fieldsID="df3ec33bccc23e23bce7bc897fad43d1" ns2:_="" ns3:_="">
     <xsd:import namespace="8a053bff-88be-49e4-9a87-e748e18b8b62"/>
@@ -13863,22 +13878,32 @@
 </ct:contentTypeSchema>
 </file>
 
-<file path=customXml/item2.xml><?xml version="1.0" encoding="utf-8"?>
-<?mso-contentType ?>
-<FormTemplates xmlns="http://schemas.microsoft.com/sharepoint/v3/contenttype/forms">
-  <Display>DocumentLibraryForm</Display>
-  <Edit>DocumentLibraryForm</Edit>
-  <New>DocumentLibraryForm</New>
-</FormTemplates>
+<file path=customXml/itemProps1.xml><?xml version="1.0" encoding="utf-8"?>
+<ds:datastoreItem xmlns:ds="http://schemas.openxmlformats.org/officeDocument/2006/customXml" ds:itemID="{10FC3CAF-E6F1-40E3-87D4-6B781C97D6B4}">
+  <ds:schemaRefs>
+    <ds:schemaRef ds:uri="6c8368ec-3776-49b5-a5bb-90648cf9530f"/>
+    <ds:schemaRef ds:uri="8a053bff-88be-49e4-9a87-e748e18b8b62"/>
+    <ds:schemaRef ds:uri="http://purl.org/dc/dcmitype/"/>
+    <ds:schemaRef ds:uri="http://purl.org/dc/elements/1.1/"/>
+    <ds:schemaRef ds:uri="http://purl.org/dc/terms/"/>
+    <ds:schemaRef ds:uri="http://schemas.microsoft.com/office/2006/documentManagement/types"/>
+    <ds:schemaRef ds:uri="http://schemas.microsoft.com/office/2006/metadata/properties"/>
+    <ds:schemaRef ds:uri="http://schemas.microsoft.com/office/infopath/2007/PartnerControls"/>
+    <ds:schemaRef ds:uri="http://schemas.openxmlformats.org/package/2006/metadata/core-properties"/>
+    <ds:schemaRef ds:uri="http://www.w3.org/XML/1998/namespace"/>
+  </ds:schemaRefs>
+</ds:datastoreItem>
 </file>
 
-<file path=customXml/item3.xml><?xml version="1.0" encoding="utf-8"?>
-<p:properties xmlns:p="http://schemas.microsoft.com/office/2006/metadata/properties" xmlns:xsi="http://www.w3.org/2001/XMLSchema-instance" xmlns:pc="http://schemas.microsoft.com/office/infopath/2007/PartnerControls">
-  <documentManagement/>
-</p:properties>
+<file path=customXml/itemProps2.xml><?xml version="1.0" encoding="utf-8"?>
+<ds:datastoreItem xmlns:ds="http://schemas.openxmlformats.org/officeDocument/2006/customXml" ds:itemID="{95AE3B0B-E909-400C-B0B3-909FB50E07DE}">
+  <ds:schemaRefs>
+    <ds:schemaRef ds:uri="http://schemas.microsoft.com/sharepoint/v3/contenttype/forms"/>
+  </ds:schemaRefs>
+</ds:datastoreItem>
 </file>
 
-<file path=customXml/itemProps1.xml><?xml version="1.0" encoding="utf-8"?>
+<file path=customXml/itemProps3.xml><?xml version="1.0" encoding="utf-8"?>
 <ds:datastoreItem xmlns:ds="http://schemas.openxmlformats.org/officeDocument/2006/customXml" ds:itemID="{E0DB8BDF-6DA8-4ABC-A3CA-043AFD674CFC}">
   <ds:schemaRefs>
     <ds:schemaRef ds:uri="6c8368ec-3776-49b5-a5bb-90648cf9530f"/>
@@ -13895,29 +13920,4 @@
     <ds:schemaRef ds:uri="http://www.w3.org/2001/XMLSchema"/>
   </ds:schemaRefs>
 </ds:datastoreItem>
-</file>
-
-<file path=customXml/itemProps2.xml><?xml version="1.0" encoding="utf-8"?>
-<ds:datastoreItem xmlns:ds="http://schemas.openxmlformats.org/officeDocument/2006/customXml" ds:itemID="{95AE3B0B-E909-400C-B0B3-909FB50E07DE}">
-  <ds:schemaRefs>
-    <ds:schemaRef ds:uri="http://schemas.microsoft.com/sharepoint/v3/contenttype/forms"/>
-  </ds:schemaRefs>
-</ds:datastoreItem>
-</file>
-
-<file path=customXml/itemProps3.xml><?xml version="1.0" encoding="utf-8"?>
-<ds:datastoreItem xmlns:ds="http://schemas.openxmlformats.org/officeDocument/2006/customXml" ds:itemID="{10FC3CAF-E6F1-40E3-87D4-6B781C97D6B4}">
-  <ds:schemaRefs>
-    <ds:schemaRef ds:uri="6c8368ec-3776-49b5-a5bb-90648cf9530f"/>
-    <ds:schemaRef ds:uri="8a053bff-88be-49e4-9a87-e748e18b8b62"/>
-    <ds:schemaRef ds:uri="http://purl.org/dc/dcmitype/"/>
-    <ds:schemaRef ds:uri="http://purl.org/dc/elements/1.1/"/>
-    <ds:schemaRef ds:uri="http://purl.org/dc/terms/"/>
-    <ds:schemaRef ds:uri="http://schemas.microsoft.com/office/2006/documentManagement/types"/>
-    <ds:schemaRef ds:uri="http://schemas.microsoft.com/office/2006/metadata/properties"/>
-    <ds:schemaRef ds:uri="http://schemas.microsoft.com/office/infopath/2007/PartnerControls"/>
-    <ds:schemaRef ds:uri="http://schemas.openxmlformats.org/package/2006/metadata/core-properties"/>
-    <ds:schemaRef ds:uri="http://www.w3.org/XML/1998/namespace"/>
-  </ds:schemaRefs>
-</ds:datastoreItem>
 </file>